--- a/docs/diagrams/AddToDoDeleteToDoSequenceDiagram.pptx
+++ b/docs/diagrams/AddToDoDeleteToDoSequenceDiagram.pptx
@@ -208,7 +208,7 @@
           <a:p>
             <a:fld id="{F5CC4B3F-88C1-4FFA-B1B6-F41C21DC6924}" type="datetimeFigureOut">
               <a:rPr lang="en-US" smtClean="0"/>
-              <a:t>10-Nov-18</a:t>
+              <a:t>11/11/2018</a:t>
             </a:fld>
             <a:endParaRPr lang="en-US"/>
           </a:p>
@@ -654,7 +654,7 @@
           <a:p>
             <a:fld id="{78C97017-6FC3-485B-9764-EAC9E56C1D49}" type="datetimeFigureOut">
               <a:rPr lang="en-US" smtClean="0"/>
-              <a:t>10-Nov-18</a:t>
+              <a:t>11/11/2018</a:t>
             </a:fld>
             <a:endParaRPr lang="en-US"/>
           </a:p>
@@ -822,7 +822,7 @@
           <a:p>
             <a:fld id="{78C97017-6FC3-485B-9764-EAC9E56C1D49}" type="datetimeFigureOut">
               <a:rPr lang="en-US" smtClean="0"/>
-              <a:t>10-Nov-18</a:t>
+              <a:t>11/11/2018</a:t>
             </a:fld>
             <a:endParaRPr lang="en-US"/>
           </a:p>
@@ -1000,7 +1000,7 @@
           <a:p>
             <a:fld id="{78C97017-6FC3-485B-9764-EAC9E56C1D49}" type="datetimeFigureOut">
               <a:rPr lang="en-US" smtClean="0"/>
-              <a:t>10-Nov-18</a:t>
+              <a:t>11/11/2018</a:t>
             </a:fld>
             <a:endParaRPr lang="en-US"/>
           </a:p>
@@ -1168,7 +1168,7 @@
           <a:p>
             <a:fld id="{78C97017-6FC3-485B-9764-EAC9E56C1D49}" type="datetimeFigureOut">
               <a:rPr lang="en-US" smtClean="0"/>
-              <a:t>10-Nov-18</a:t>
+              <a:t>11/11/2018</a:t>
             </a:fld>
             <a:endParaRPr lang="en-US"/>
           </a:p>
@@ -1413,7 +1413,7 @@
           <a:p>
             <a:fld id="{78C97017-6FC3-485B-9764-EAC9E56C1D49}" type="datetimeFigureOut">
               <a:rPr lang="en-US" smtClean="0"/>
-              <a:t>10-Nov-18</a:t>
+              <a:t>11/11/2018</a:t>
             </a:fld>
             <a:endParaRPr lang="en-US"/>
           </a:p>
@@ -1698,7 +1698,7 @@
           <a:p>
             <a:fld id="{78C97017-6FC3-485B-9764-EAC9E56C1D49}" type="datetimeFigureOut">
               <a:rPr lang="en-US" smtClean="0"/>
-              <a:t>10-Nov-18</a:t>
+              <a:t>11/11/2018</a:t>
             </a:fld>
             <a:endParaRPr lang="en-US"/>
           </a:p>
@@ -2117,7 +2117,7 @@
           <a:p>
             <a:fld id="{78C97017-6FC3-485B-9764-EAC9E56C1D49}" type="datetimeFigureOut">
               <a:rPr lang="en-US" smtClean="0"/>
-              <a:t>10-Nov-18</a:t>
+              <a:t>11/11/2018</a:t>
             </a:fld>
             <a:endParaRPr lang="en-US"/>
           </a:p>
@@ -2234,7 +2234,7 @@
           <a:p>
             <a:fld id="{78C97017-6FC3-485B-9764-EAC9E56C1D49}" type="datetimeFigureOut">
               <a:rPr lang="en-US" smtClean="0"/>
-              <a:t>10-Nov-18</a:t>
+              <a:t>11/11/2018</a:t>
             </a:fld>
             <a:endParaRPr lang="en-US"/>
           </a:p>
@@ -2329,7 +2329,7 @@
           <a:p>
             <a:fld id="{78C97017-6FC3-485B-9764-EAC9E56C1D49}" type="datetimeFigureOut">
               <a:rPr lang="en-US" smtClean="0"/>
-              <a:t>10-Nov-18</a:t>
+              <a:t>11/11/2018</a:t>
             </a:fld>
             <a:endParaRPr lang="en-US"/>
           </a:p>
@@ -2604,7 +2604,7 @@
           <a:p>
             <a:fld id="{78C97017-6FC3-485B-9764-EAC9E56C1D49}" type="datetimeFigureOut">
               <a:rPr lang="en-US" smtClean="0"/>
-              <a:t>10-Nov-18</a:t>
+              <a:t>11/11/2018</a:t>
             </a:fld>
             <a:endParaRPr lang="en-US"/>
           </a:p>
@@ -2856,7 +2856,7 @@
           <a:p>
             <a:fld id="{78C97017-6FC3-485B-9764-EAC9E56C1D49}" type="datetimeFigureOut">
               <a:rPr lang="en-US" smtClean="0"/>
-              <a:t>10-Nov-18</a:t>
+              <a:t>11/11/2018</a:t>
             </a:fld>
             <a:endParaRPr lang="en-US"/>
           </a:p>
@@ -3067,7 +3067,7 @@
           <a:p>
             <a:fld id="{78C97017-6FC3-485B-9764-EAC9E56C1D49}" type="datetimeFigureOut">
               <a:rPr lang="en-US" smtClean="0"/>
-              <a:t>10-Nov-18</a:t>
+              <a:t>11/11/2018</a:t>
             </a:fld>
             <a:endParaRPr lang="en-US"/>
           </a:p>
@@ -3450,8 +3450,8 @@
         </p:nvSpPr>
         <p:spPr>
           <a:xfrm>
-            <a:off x="6459374" y="118895"/>
-            <a:ext cx="3903825" cy="4400926"/>
+            <a:off x="6459374" y="100042"/>
+            <a:ext cx="1571166" cy="4400926"/>
           </a:xfrm>
           <a:prstGeom prst="roundRect">
             <a:avLst>
@@ -3978,7 +3978,7 @@
           </a:prstGeom>
           <a:ln w="19050">
             <a:solidFill>
-              <a:srgbClr val="00B050"/>
+              <a:schemeClr val="accent1"/>
             </a:solidFill>
             <a:tailEnd type="arrow"/>
           </a:ln>
@@ -4006,8 +4006,8 @@
         </p:nvSpPr>
         <p:spPr>
           <a:xfrm>
-            <a:off x="38100" y="990600"/>
-            <a:ext cx="1424846" cy="215444"/>
+            <a:off x="-304796" y="990600"/>
+            <a:ext cx="1767742" cy="215444"/>
           </a:xfrm>
           <a:prstGeom prst="rect">
             <a:avLst/>
@@ -4027,7 +4027,23 @@
                   <a:srgbClr val="0070C0"/>
                 </a:solidFill>
               </a:rPr>
-              <a:t>execute(“undo”)</a:t>
+              <a:t>execute(“add </a:t>
+            </a:r>
+            <a:r>
+              <a:rPr lang="en-US" sz="1400" dirty="0" err="1">
+                <a:solidFill>
+                  <a:srgbClr val="0070C0"/>
+                </a:solidFill>
+              </a:rPr>
+              <a:t>todo</a:t>
+            </a:r>
+            <a:r>
+              <a:rPr lang="en-US" sz="1400" dirty="0">
+                <a:solidFill>
+                  <a:srgbClr val="0070C0"/>
+                </a:solidFill>
+              </a:rPr>
+              <a:t>”)</a:t>
             </a:r>
           </a:p>
         </p:txBody>
@@ -4279,7 +4295,7 @@
         </p:nvSpPr>
         <p:spPr>
           <a:xfrm>
-            <a:off x="5651548" y="2748246"/>
+            <a:off x="5638800" y="2748246"/>
             <a:ext cx="1298078" cy="184666"/>
           </a:xfrm>
           <a:prstGeom prst="rect">
@@ -4305,14 +4321,14 @@
           </a:lstStyle>
           <a:p>
             <a:r>
-              <a:rPr lang="en-US" sz="1200" dirty="0" err="1">
+              <a:rPr lang="en-US" altLang="zh-CN" sz="1200" dirty="0" err="1">
                 <a:solidFill>
                   <a:schemeClr val="accent4">
                     <a:lumMod val="75000"/>
                   </a:schemeClr>
                 </a:solidFill>
               </a:rPr>
-              <a:t>undoScheduler</a:t>
+              <a:t>addToDoListEevnt</a:t>
             </a:r>
             <a:r>
               <a:rPr lang="en-US" sz="1200" dirty="0">
@@ -4334,8 +4350,8 @@
         </p:nvSpPr>
         <p:spPr>
           <a:xfrm>
-            <a:off x="1885189" y="1106150"/>
-            <a:ext cx="1899551" cy="215444"/>
+            <a:off x="1511659" y="1106150"/>
+            <a:ext cx="2382309" cy="215444"/>
           </a:xfrm>
           <a:prstGeom prst="rect">
             <a:avLst/>
@@ -4365,7 +4381,15 @@
             </a:r>
             <a:r>
               <a:rPr lang="en-US" dirty="0"/>
-              <a:t>(“undo”)</a:t>
+              <a:t>(“add </a:t>
+            </a:r>
+            <a:r>
+              <a:rPr lang="en-US" dirty="0" err="1"/>
+              <a:t>todo</a:t>
+            </a:r>
+            <a:r>
+              <a:rPr lang="en-US" dirty="0"/>
+              <a:t>”)</a:t>
             </a:r>
           </a:p>
         </p:txBody>
@@ -4452,120 +4476,6 @@
       </p:sp>
       <p:sp>
         <p:nvSpPr>
-          <p:cNvPr id="84" name="Rectangle 62"/>
-          <p:cNvSpPr/>
-          <p:nvPr/>
-        </p:nvSpPr>
-        <p:spPr>
-          <a:xfrm>
-            <a:off x="7497155" y="2568606"/>
-            <a:ext cx="2181777" cy="335427"/>
-          </a:xfrm>
-          <a:prstGeom prst="rect">
-            <a:avLst/>
-          </a:prstGeom>
-          <a:solidFill>
-            <a:srgbClr val="7030A0"/>
-          </a:solidFill>
-          <a:ln w="19050">
-            <a:solidFill>
-              <a:srgbClr val="7030A0"/>
-            </a:solidFill>
-          </a:ln>
-          <a:effectLst/>
-        </p:spPr>
-        <p:style>
-          <a:lnRef idx="1">
-            <a:schemeClr val="accent2"/>
-          </a:lnRef>
-          <a:fillRef idx="2">
-            <a:schemeClr val="accent2"/>
-          </a:fillRef>
-          <a:effectRef idx="1">
-            <a:schemeClr val="accent2"/>
-          </a:effectRef>
-          <a:fontRef idx="minor">
-            <a:schemeClr val="dk1"/>
-          </a:fontRef>
-        </p:style>
-        <p:txBody>
-          <a:bodyPr rtlCol="0" anchor="ctr"/>
-          <a:lstStyle/>
-          <a:p>
-            <a:pPr algn="ctr"/>
-            <a:r>
-              <a:rPr lang="en-US" sz="1600" dirty="0">
-                <a:solidFill>
-                  <a:schemeClr val="bg1"/>
-                </a:solidFill>
-              </a:rPr>
-              <a:t>:</a:t>
-            </a:r>
-            <a:r>
-              <a:rPr lang="en-US" sz="1600" dirty="0" err="1">
-                <a:solidFill>
-                  <a:schemeClr val="bg1"/>
-                </a:solidFill>
-              </a:rPr>
-              <a:t>VersionedScheduler</a:t>
-            </a:r>
-            <a:endParaRPr lang="en-SG" sz="1600" dirty="0">
-              <a:solidFill>
-                <a:schemeClr val="bg1"/>
-              </a:solidFill>
-            </a:endParaRPr>
-          </a:p>
-        </p:txBody>
-      </p:sp>
-      <p:sp>
-        <p:nvSpPr>
-          <p:cNvPr id="86" name="Rectangle 85"/>
-          <p:cNvSpPr/>
-          <p:nvPr/>
-        </p:nvSpPr>
-        <p:spPr>
-          <a:xfrm>
-            <a:off x="8514207" y="3182840"/>
-            <a:ext cx="129933" cy="398562"/>
-          </a:xfrm>
-          <a:prstGeom prst="rect">
-            <a:avLst/>
-          </a:prstGeom>
-          <a:solidFill>
-            <a:srgbClr val="7030A0"/>
-          </a:solidFill>
-          <a:ln>
-            <a:solidFill>
-              <a:srgbClr val="7030A0"/>
-            </a:solidFill>
-          </a:ln>
-          <a:effectLst/>
-        </p:spPr>
-        <p:style>
-          <a:lnRef idx="1">
-            <a:schemeClr val="accent3"/>
-          </a:lnRef>
-          <a:fillRef idx="2">
-            <a:schemeClr val="accent3"/>
-          </a:fillRef>
-          <a:effectRef idx="1">
-            <a:schemeClr val="accent3"/>
-          </a:effectRef>
-          <a:fontRef idx="minor">
-            <a:schemeClr val="dk1"/>
-          </a:fontRef>
-        </p:style>
-        <p:txBody>
-          <a:bodyPr rtlCol="0" anchor="ctr"/>
-          <a:lstStyle/>
-          <a:p>
-            <a:pPr algn="ctr"/>
-            <a:endParaRPr lang="en-SG" sz="1400"/>
-          </a:p>
-        </p:txBody>
-      </p:sp>
-      <p:sp>
-        <p:nvSpPr>
           <p:cNvPr id="93" name="TextBox 92"/>
           <p:cNvSpPr txBox="1"/>
           <p:nvPr/>
@@ -4612,8 +4522,8 @@
         </p:nvSpPr>
         <p:spPr>
           <a:xfrm>
-            <a:off x="6549765" y="2362200"/>
-            <a:ext cx="841636" cy="300180"/>
+            <a:off x="6477000" y="2366820"/>
+            <a:ext cx="1456237" cy="300180"/>
           </a:xfrm>
           <a:prstGeom prst="rect">
             <a:avLst/>
@@ -4653,7 +4563,23 @@
                   <a:schemeClr val="bg1"/>
                 </a:solidFill>
               </a:rPr>
-              <a:t>: Model</a:t>
+              <a:t>: </a:t>
+            </a:r>
+            <a:r>
+              <a:rPr lang="en-US" sz="1600" dirty="0" err="1">
+                <a:solidFill>
+                  <a:schemeClr val="bg1"/>
+                </a:solidFill>
+              </a:rPr>
+              <a:t>ModelT</a:t>
+            </a:r>
+            <a:r>
+              <a:rPr lang="en-US" altLang="zh-CN" sz="1600" dirty="0" err="1">
+                <a:solidFill>
+                  <a:schemeClr val="bg1"/>
+                </a:solidFill>
+              </a:rPr>
+              <a:t>oDo</a:t>
             </a:r>
             <a:endParaRPr lang="en-SG" sz="1600" dirty="0">
               <a:solidFill>
@@ -4829,7 +4755,7 @@
         <p:spPr>
           <a:xfrm>
             <a:off x="5035976" y="1260268"/>
-            <a:ext cx="1093635" cy="461538"/>
+            <a:ext cx="1216201" cy="461538"/>
           </a:xfrm>
           <a:prstGeom prst="rect">
             <a:avLst/>
@@ -4869,7 +4795,7 @@
                   <a:schemeClr val="bg1"/>
                 </a:solidFill>
               </a:rPr>
-              <a:t>u:Undo</a:t>
+              <a:t>u:AddToDo</a:t>
             </a:r>
             <a:br>
               <a:rPr lang="en-US" sz="1600" dirty="0">
@@ -5007,307 +4933,6 @@
           <a:ln w="19050">
             <a:solidFill>
               <a:srgbClr val="0070C0"/>
-            </a:solidFill>
-            <a:prstDash val="sysDash"/>
-            <a:headEnd type="arrow" w="med" len="med"/>
-            <a:tailEnd type="none" w="med" len="med"/>
-          </a:ln>
-        </p:spPr>
-        <p:style>
-          <a:lnRef idx="1">
-            <a:schemeClr val="accent1"/>
-          </a:lnRef>
-          <a:fillRef idx="0">
-            <a:schemeClr val="accent1"/>
-          </a:fillRef>
-          <a:effectRef idx="0">
-            <a:schemeClr val="accent1"/>
-          </a:effectRef>
-          <a:fontRef idx="minor">
-            <a:schemeClr val="tx1"/>
-          </a:fontRef>
-        </p:style>
-      </p:cxnSp>
-      <p:sp>
-        <p:nvSpPr>
-          <p:cNvPr id="88" name="TextBox 87">
-            <a:extLst>
-              <a:ext uri="{FF2B5EF4-FFF2-40B4-BE49-F238E27FC236}">
-                <a16:creationId xmlns:a16="http://schemas.microsoft.com/office/drawing/2014/main" id="{B85C6184-7378-4E89-A338-72B1E5056F4F}"/>
-              </a:ext>
-            </a:extLst>
-          </p:cNvPr>
-          <p:cNvSpPr txBox="1"/>
-          <p:nvPr/>
-        </p:nvSpPr>
-        <p:spPr>
-          <a:xfrm>
-            <a:off x="8769530" y="3267337"/>
-            <a:ext cx="2120786" cy="184666"/>
-          </a:xfrm>
-          <a:prstGeom prst="rect">
-            <a:avLst/>
-          </a:prstGeom>
-          <a:noFill/>
-        </p:spPr>
-        <p:txBody>
-          <a:bodyPr wrap="square" lIns="0" tIns="0" rIns="0" bIns="0" rtlCol="0">
-            <a:spAutoFit/>
-          </a:bodyPr>
-          <a:lstStyle>
-            <a:defPPr>
-              <a:defRPr lang="en-US"/>
-            </a:defPPr>
-            <a:lvl1pPr algn="r">
-              <a:defRPr sz="1400">
-                <a:solidFill>
-                  <a:srgbClr val="0070C0"/>
-                </a:solidFill>
-              </a:defRPr>
-            </a:lvl1pPr>
-          </a:lstStyle>
-          <a:p>
-            <a:pPr algn="l"/>
-            <a:r>
-              <a:rPr lang="en-US" sz="1200" dirty="0" err="1">
-                <a:solidFill>
-                  <a:srgbClr val="7030A0"/>
-                </a:solidFill>
-              </a:rPr>
-              <a:t>resetData</a:t>
-            </a:r>
-            <a:r>
-              <a:rPr lang="en-US" sz="1200" dirty="0">
-                <a:solidFill>
-                  <a:srgbClr val="7030A0"/>
-                </a:solidFill>
-              </a:rPr>
-              <a:t>(</a:t>
-            </a:r>
-            <a:r>
-              <a:rPr lang="en-US" sz="1200" dirty="0" err="1">
-                <a:solidFill>
-                  <a:srgbClr val="7030A0"/>
-                </a:solidFill>
-              </a:rPr>
-              <a:t>ReadOnlyScheduler</a:t>
-            </a:r>
-            <a:r>
-              <a:rPr lang="en-US" sz="1200" dirty="0">
-                <a:solidFill>
-                  <a:srgbClr val="7030A0"/>
-                </a:solidFill>
-              </a:rPr>
-              <a:t>)</a:t>
-            </a:r>
-            <a:endParaRPr lang="en-US" sz="1200" dirty="0"/>
-          </a:p>
-        </p:txBody>
-      </p:sp>
-      <p:cxnSp>
-        <p:nvCxnSpPr>
-          <p:cNvPr id="89" name="Straight Connector 88">
-            <a:extLst>
-              <a:ext uri="{FF2B5EF4-FFF2-40B4-BE49-F238E27FC236}">
-                <a16:creationId xmlns:a16="http://schemas.microsoft.com/office/drawing/2014/main" id="{E4E1C8CA-49DF-45D8-80A5-D5C8282EE927}"/>
-              </a:ext>
-            </a:extLst>
-          </p:cNvPr>
-          <p:cNvCxnSpPr>
-            <a:cxnSpLocks/>
-          </p:cNvCxnSpPr>
-          <p:nvPr/>
-        </p:nvCxnSpPr>
-        <p:spPr>
-          <a:xfrm>
-            <a:off x="8588043" y="2871355"/>
-            <a:ext cx="17996" cy="1467648"/>
-          </a:xfrm>
-          <a:prstGeom prst="line">
-            <a:avLst/>
-          </a:prstGeom>
-          <a:ln w="19050">
-            <a:solidFill>
-              <a:srgbClr val="7030A0"/>
-            </a:solidFill>
-            <a:prstDash val="sysDash"/>
-          </a:ln>
-          <a:effectLst/>
-        </p:spPr>
-        <p:style>
-          <a:lnRef idx="1">
-            <a:schemeClr val="accent1"/>
-          </a:lnRef>
-          <a:fillRef idx="2">
-            <a:schemeClr val="accent1"/>
-          </a:fillRef>
-          <a:effectRef idx="1">
-            <a:schemeClr val="accent1"/>
-          </a:effectRef>
-          <a:fontRef idx="minor">
-            <a:schemeClr val="dk1"/>
-          </a:fontRef>
-        </p:style>
-      </p:cxnSp>
-      <p:sp>
-        <p:nvSpPr>
-          <p:cNvPr id="41" name="TextBox 40"/>
-          <p:cNvSpPr txBox="1"/>
-          <p:nvPr/>
-        </p:nvSpPr>
-        <p:spPr>
-          <a:xfrm>
-            <a:off x="7667691" y="2975344"/>
-            <a:ext cx="551687" cy="184666"/>
-          </a:xfrm>
-          <a:prstGeom prst="rect">
-            <a:avLst/>
-          </a:prstGeom>
-          <a:noFill/>
-          <a:ln>
-            <a:noFill/>
-          </a:ln>
-        </p:spPr>
-        <p:txBody>
-          <a:bodyPr wrap="square" lIns="0" tIns="0" rIns="0" bIns="0" rtlCol="0">
-            <a:spAutoFit/>
-          </a:bodyPr>
-          <a:lstStyle>
-            <a:defPPr>
-              <a:defRPr lang="en-US"/>
-            </a:defPPr>
-            <a:lvl1pPr algn="r">
-              <a:defRPr sz="1400">
-                <a:solidFill>
-                  <a:srgbClr val="0070C0"/>
-                </a:solidFill>
-              </a:defRPr>
-            </a:lvl1pPr>
-          </a:lstStyle>
-          <a:p>
-            <a:r>
-              <a:rPr lang="en-US" sz="1200" dirty="0">
-                <a:solidFill>
-                  <a:srgbClr val="7030A0"/>
-                </a:solidFill>
-              </a:rPr>
-              <a:t>undo</a:t>
-            </a:r>
-            <a:r>
-              <a:rPr lang="en-US" sz="1200" dirty="0">
-                <a:solidFill>
-                  <a:schemeClr val="accent4">
-                    <a:lumMod val="75000"/>
-                  </a:schemeClr>
-                </a:solidFill>
-              </a:rPr>
-              <a:t>()</a:t>
-            </a:r>
-          </a:p>
-        </p:txBody>
-      </p:sp>
-      <p:cxnSp>
-        <p:nvCxnSpPr>
-          <p:cNvPr id="13" name="Curved Connector 12"/>
-          <p:cNvCxnSpPr/>
-          <p:nvPr/>
-        </p:nvCxnSpPr>
-        <p:spPr>
-          <a:xfrm rot="16200000" flipH="1">
-            <a:off x="8527578" y="3220579"/>
-            <a:ext cx="156923" cy="76200"/>
-          </a:xfrm>
-          <a:prstGeom prst="curvedConnector4">
-            <a:avLst>
-              <a:gd name="adj1" fmla="val -145677"/>
-              <a:gd name="adj2" fmla="val 400000"/>
-            </a:avLst>
-          </a:prstGeom>
-          <a:ln>
-            <a:solidFill>
-              <a:srgbClr val="7030A0"/>
-            </a:solidFill>
-            <a:tailEnd type="triangle"/>
-          </a:ln>
-        </p:spPr>
-        <p:style>
-          <a:lnRef idx="1">
-            <a:schemeClr val="accent1"/>
-          </a:lnRef>
-          <a:fillRef idx="0">
-            <a:schemeClr val="accent1"/>
-          </a:fillRef>
-          <a:effectRef idx="0">
-            <a:schemeClr val="accent1"/>
-          </a:effectRef>
-          <a:fontRef idx="minor">
-            <a:schemeClr val="tx1"/>
-          </a:fontRef>
-        </p:style>
-      </p:cxnSp>
-      <p:cxnSp>
-        <p:nvCxnSpPr>
-          <p:cNvPr id="52" name="Straight Arrow Connector 51"/>
-          <p:cNvCxnSpPr>
-            <a:cxnSpLocks/>
-          </p:cNvCxnSpPr>
-          <p:nvPr/>
-        </p:nvCxnSpPr>
-        <p:spPr>
-          <a:xfrm>
-            <a:off x="7043991" y="3182839"/>
-            <a:ext cx="1470216" cy="0"/>
-          </a:xfrm>
-          <a:prstGeom prst="straightConnector1">
-            <a:avLst/>
-          </a:prstGeom>
-          <a:ln w="19050">
-            <a:solidFill>
-              <a:srgbClr val="7030A0"/>
-            </a:solidFill>
-            <a:tailEnd type="arrow"/>
-          </a:ln>
-        </p:spPr>
-        <p:style>
-          <a:lnRef idx="1">
-            <a:schemeClr val="accent1"/>
-          </a:lnRef>
-          <a:fillRef idx="0">
-            <a:schemeClr val="accent1"/>
-          </a:fillRef>
-          <a:effectRef idx="0">
-            <a:schemeClr val="accent1"/>
-          </a:effectRef>
-          <a:fontRef idx="minor">
-            <a:schemeClr val="tx1"/>
-          </a:fontRef>
-        </p:style>
-      </p:cxnSp>
-      <p:cxnSp>
-        <p:nvCxnSpPr>
-          <p:cNvPr id="60" name="Straight Arrow Connector 59">
-            <a:extLst>
-              <a:ext uri="{FF2B5EF4-FFF2-40B4-BE49-F238E27FC236}">
-                <a16:creationId xmlns:a16="http://schemas.microsoft.com/office/drawing/2014/main" id="{7C9F21BC-13A9-471F-825A-2621FD36355F}"/>
-              </a:ext>
-            </a:extLst>
-          </p:cNvPr>
-          <p:cNvCxnSpPr>
-            <a:cxnSpLocks/>
-          </p:cNvCxnSpPr>
-          <p:nvPr/>
-        </p:nvCxnSpPr>
-        <p:spPr>
-          <a:xfrm flipV="1">
-            <a:off x="7043991" y="3564914"/>
-            <a:ext cx="1470216" cy="6325"/>
-          </a:xfrm>
-          <a:prstGeom prst="straightConnector1">
-            <a:avLst/>
-          </a:prstGeom>
-          <a:ln w="19050">
-            <a:solidFill>
-              <a:srgbClr val="7030A0"/>
             </a:solidFill>
             <a:prstDash val="sysDash"/>
             <a:headEnd type="arrow" w="med" len="med"/>

--- a/docs/diagrams/AddToDoDeleteToDoSequenceDiagram.pptx
+++ b/docs/diagrams/AddToDoDeleteToDoSequenceDiagram.pptx
@@ -208,7 +208,7 @@
           <a:p>
             <a:fld id="{F5CC4B3F-88C1-4FFA-B1B6-F41C21DC6924}" type="datetimeFigureOut">
               <a:rPr lang="en-US" smtClean="0"/>
-              <a:t>11/11/2018</a:t>
+              <a:t>11/12/2018</a:t>
             </a:fld>
             <a:endParaRPr lang="en-US"/>
           </a:p>
@@ -654,7 +654,7 @@
           <a:p>
             <a:fld id="{78C97017-6FC3-485B-9764-EAC9E56C1D49}" type="datetimeFigureOut">
               <a:rPr lang="en-US" smtClean="0"/>
-              <a:t>11/11/2018</a:t>
+              <a:t>11/12/2018</a:t>
             </a:fld>
             <a:endParaRPr lang="en-US"/>
           </a:p>
@@ -822,7 +822,7 @@
           <a:p>
             <a:fld id="{78C97017-6FC3-485B-9764-EAC9E56C1D49}" type="datetimeFigureOut">
               <a:rPr lang="en-US" smtClean="0"/>
-              <a:t>11/11/2018</a:t>
+              <a:t>11/12/2018</a:t>
             </a:fld>
             <a:endParaRPr lang="en-US"/>
           </a:p>
@@ -1000,7 +1000,7 @@
           <a:p>
             <a:fld id="{78C97017-6FC3-485B-9764-EAC9E56C1D49}" type="datetimeFigureOut">
               <a:rPr lang="en-US" smtClean="0"/>
-              <a:t>11/11/2018</a:t>
+              <a:t>11/12/2018</a:t>
             </a:fld>
             <a:endParaRPr lang="en-US"/>
           </a:p>
@@ -1168,7 +1168,7 @@
           <a:p>
             <a:fld id="{78C97017-6FC3-485B-9764-EAC9E56C1D49}" type="datetimeFigureOut">
               <a:rPr lang="en-US" smtClean="0"/>
-              <a:t>11/11/2018</a:t>
+              <a:t>11/12/2018</a:t>
             </a:fld>
             <a:endParaRPr lang="en-US"/>
           </a:p>
@@ -1413,7 +1413,7 @@
           <a:p>
             <a:fld id="{78C97017-6FC3-485B-9764-EAC9E56C1D49}" type="datetimeFigureOut">
               <a:rPr lang="en-US" smtClean="0"/>
-              <a:t>11/11/2018</a:t>
+              <a:t>11/12/2018</a:t>
             </a:fld>
             <a:endParaRPr lang="en-US"/>
           </a:p>
@@ -1698,7 +1698,7 @@
           <a:p>
             <a:fld id="{78C97017-6FC3-485B-9764-EAC9E56C1D49}" type="datetimeFigureOut">
               <a:rPr lang="en-US" smtClean="0"/>
-              <a:t>11/11/2018</a:t>
+              <a:t>11/12/2018</a:t>
             </a:fld>
             <a:endParaRPr lang="en-US"/>
           </a:p>
@@ -2117,7 +2117,7 @@
           <a:p>
             <a:fld id="{78C97017-6FC3-485B-9764-EAC9E56C1D49}" type="datetimeFigureOut">
               <a:rPr lang="en-US" smtClean="0"/>
-              <a:t>11/11/2018</a:t>
+              <a:t>11/12/2018</a:t>
             </a:fld>
             <a:endParaRPr lang="en-US"/>
           </a:p>
@@ -2234,7 +2234,7 @@
           <a:p>
             <a:fld id="{78C97017-6FC3-485B-9764-EAC9E56C1D49}" type="datetimeFigureOut">
               <a:rPr lang="en-US" smtClean="0"/>
-              <a:t>11/11/2018</a:t>
+              <a:t>11/12/2018</a:t>
             </a:fld>
             <a:endParaRPr lang="en-US"/>
           </a:p>
@@ -2329,7 +2329,7 @@
           <a:p>
             <a:fld id="{78C97017-6FC3-485B-9764-EAC9E56C1D49}" type="datetimeFigureOut">
               <a:rPr lang="en-US" smtClean="0"/>
-              <a:t>11/11/2018</a:t>
+              <a:t>11/12/2018</a:t>
             </a:fld>
             <a:endParaRPr lang="en-US"/>
           </a:p>
@@ -2604,7 +2604,7 @@
           <a:p>
             <a:fld id="{78C97017-6FC3-485B-9764-EAC9E56C1D49}" type="datetimeFigureOut">
               <a:rPr lang="en-US" smtClean="0"/>
-              <a:t>11/11/2018</a:t>
+              <a:t>11/12/2018</a:t>
             </a:fld>
             <a:endParaRPr lang="en-US"/>
           </a:p>
@@ -2856,7 +2856,7 @@
           <a:p>
             <a:fld id="{78C97017-6FC3-485B-9764-EAC9E56C1D49}" type="datetimeFigureOut">
               <a:rPr lang="en-US" smtClean="0"/>
-              <a:t>11/11/2018</a:t>
+              <a:t>11/12/2018</a:t>
             </a:fld>
             <a:endParaRPr lang="en-US"/>
           </a:p>
@@ -3067,7 +3067,7 @@
           <a:p>
             <a:fld id="{78C97017-6FC3-485B-9764-EAC9E56C1D49}" type="datetimeFigureOut">
               <a:rPr lang="en-US" smtClean="0"/>
-              <a:t>11/11/2018</a:t>
+              <a:t>11/12/2018</a:t>
             </a:fld>
             <a:endParaRPr lang="en-US"/>
           </a:p>
